--- a/AspireTalk.pptx
+++ b/AspireTalk.pptx
@@ -14,10 +14,10 @@
     <p:sldId id="269" r:id="rId5"/>
     <p:sldId id="330" r:id="rId6"/>
     <p:sldId id="331" r:id="rId7"/>
-    <p:sldId id="258" r:id="rId8"/>
-    <p:sldId id="265" r:id="rId9"/>
-    <p:sldId id="259" r:id="rId10"/>
-    <p:sldId id="329" r:id="rId11"/>
+    <p:sldId id="329" r:id="rId8"/>
+    <p:sldId id="258" r:id="rId9"/>
+    <p:sldId id="265" r:id="rId10"/>
+    <p:sldId id="259" r:id="rId11"/>
     <p:sldId id="293" r:id="rId12"/>
     <p:sldId id="295" r:id="rId13"/>
     <p:sldId id="294" r:id="rId14"/>
@@ -2841,7 +2841,7 @@
   <p:cSld>
     <p:spTree>
       <p:nvGrpSpPr>
-        <p:cNvPr id="1" name="Shape 535"/>
+        <p:cNvPr id="1" name="Shape 406"/>
         <p:cNvGrpSpPr/>
         <p:nvPr/>
       </p:nvGrpSpPr>
@@ -2855,7 +2855,7 @@
       </p:grpSpPr>
       <p:sp>
         <p:nvSpPr>
-          <p:cNvPr id="536" name="Google Shape;536;ga073618e60_0_174:notes"/>
+          <p:cNvPr id="407" name="Google Shape;407;ga073618e60_0_31:notes"/>
           <p:cNvSpPr>
             <a:spLocks noGrp="1" noRot="1" noChangeAspect="1"/>
           </p:cNvSpPr>
@@ -2896,7 +2896,7 @@
       </p:sp>
       <p:sp>
         <p:nvSpPr>
-          <p:cNvPr id="537" name="Google Shape;537;ga073618e60_0_174:notes"/>
+          <p:cNvPr id="408" name="Google Shape;408;ga073618e60_0_31:notes"/>
           <p:cNvSpPr txBox="1">
             <a:spLocks noGrp="1"/>
           </p:cNvSpPr>
@@ -2933,11 +2933,6 @@
         </p:txBody>
       </p:sp>
     </p:spTree>
-    <p:extLst>
-      <p:ext uri="{BB962C8B-B14F-4D97-AF65-F5344CB8AC3E}">
-        <p14:creationId xmlns:p14="http://schemas.microsoft.com/office/powerpoint/2010/main" val="530319569"/>
-      </p:ext>
-    </p:extLst>
   </p:cSld>
   <p:clrMapOvr>
     <a:masterClrMapping/>
@@ -7871,6 +7866,115 @@
   <p:cSld>
     <p:spTree>
       <p:nvGrpSpPr>
+        <p:cNvPr id="1" name="Shape 535"/>
+        <p:cNvGrpSpPr/>
+        <p:nvPr/>
+      </p:nvGrpSpPr>
+      <p:grpSpPr>
+        <a:xfrm>
+          <a:off x="0" y="0"/>
+          <a:ext cx="0" cy="0"/>
+          <a:chOff x="0" y="0"/>
+          <a:chExt cx="0" cy="0"/>
+        </a:xfrm>
+      </p:grpSpPr>
+      <p:sp>
+        <p:nvSpPr>
+          <p:cNvPr id="536" name="Google Shape;536;ga073618e60_0_174:notes"/>
+          <p:cNvSpPr>
+            <a:spLocks noGrp="1" noRot="1" noChangeAspect="1"/>
+          </p:cNvSpPr>
+          <p:nvPr>
+            <p:ph type="sldImg" idx="2"/>
+          </p:nvPr>
+        </p:nvSpPr>
+        <p:spPr>
+          <a:xfrm>
+            <a:off x="381000" y="685800"/>
+            <a:ext cx="6096000" cy="3429000"/>
+          </a:xfrm>
+          <a:custGeom>
+            <a:avLst/>
+            <a:gdLst/>
+            <a:ahLst/>
+            <a:cxnLst/>
+            <a:rect l="l" t="t" r="r" b="b"/>
+            <a:pathLst>
+              <a:path w="120000" h="120000" extrusionOk="0">
+                <a:moveTo>
+                  <a:pt x="0" y="0"/>
+                </a:moveTo>
+                <a:lnTo>
+                  <a:pt x="120000" y="0"/>
+                </a:lnTo>
+                <a:lnTo>
+                  <a:pt x="120000" y="120000"/>
+                </a:lnTo>
+                <a:lnTo>
+                  <a:pt x="0" y="120000"/>
+                </a:lnTo>
+                <a:close/>
+              </a:path>
+            </a:pathLst>
+          </a:custGeom>
+        </p:spPr>
+      </p:sp>
+      <p:sp>
+        <p:nvSpPr>
+          <p:cNvPr id="537" name="Google Shape;537;ga073618e60_0_174:notes"/>
+          <p:cNvSpPr txBox="1">
+            <a:spLocks noGrp="1"/>
+          </p:cNvSpPr>
+          <p:nvPr>
+            <p:ph type="body" idx="1"/>
+          </p:nvPr>
+        </p:nvSpPr>
+        <p:spPr>
+          <a:xfrm>
+            <a:off x="685800" y="4343400"/>
+            <a:ext cx="5486400" cy="4114800"/>
+          </a:xfrm>
+          <a:prstGeom prst="rect">
+            <a:avLst/>
+          </a:prstGeom>
+        </p:spPr>
+        <p:txBody>
+          <a:bodyPr spcFirstLastPara="1" wrap="square" lIns="91425" tIns="91425" rIns="91425" bIns="91425" anchor="t" anchorCtr="0">
+            <a:noAutofit/>
+          </a:bodyPr>
+          <a:lstStyle/>
+          <a:p>
+            <a:pPr marL="0" lvl="0" indent="0" algn="l" rtl="0">
+              <a:spcBef>
+                <a:spcPts val="0"/>
+              </a:spcBef>
+              <a:spcAft>
+                <a:spcPts val="0"/>
+              </a:spcAft>
+              <a:buNone/>
+            </a:pPr>
+            <a:endParaRPr/>
+          </a:p>
+        </p:txBody>
+      </p:sp>
+    </p:spTree>
+    <p:extLst>
+      <p:ext uri="{BB962C8B-B14F-4D97-AF65-F5344CB8AC3E}">
+        <p14:creationId xmlns:p14="http://schemas.microsoft.com/office/powerpoint/2010/main" val="530319569"/>
+      </p:ext>
+    </p:extLst>
+  </p:cSld>
+  <p:clrMapOvr>
+    <a:masterClrMapping/>
+  </p:clrMapOvr>
+</p:notes>
+</file>
+
+<file path=ppt/notesSlides/notesSlide8.xml><?xml version="1.0" encoding="utf-8"?>
+<p:notes xmlns:a="http://schemas.openxmlformats.org/drawingml/2006/main" xmlns:r="http://schemas.openxmlformats.org/officeDocument/2006/relationships" xmlns:p="http://schemas.openxmlformats.org/presentationml/2006/main" showMasterSp="0" showMasterPhAnim="0">
+  <p:cSld>
+    <p:spTree>
+      <p:nvGrpSpPr>
         <p:cNvPr id="1" name="Shape 389"/>
         <p:cNvGrpSpPr/>
         <p:nvPr/>
@@ -7970,7 +8074,7 @@
 </p:notes>
 </file>
 
-<file path=ppt/notesSlides/notesSlide8.xml><?xml version="1.0" encoding="utf-8"?>
+<file path=ppt/notesSlides/notesSlide9.xml><?xml version="1.0" encoding="utf-8"?>
 <p:notes xmlns:a="http://schemas.openxmlformats.org/drawingml/2006/main" xmlns:r="http://schemas.openxmlformats.org/officeDocument/2006/relationships" xmlns:p="http://schemas.openxmlformats.org/presentationml/2006/main" showMasterSp="0" showMasterPhAnim="0">
   <p:cSld>
     <p:spTree>
@@ -8031,110 +8135,6 @@
       <p:sp>
         <p:nvSpPr>
           <p:cNvPr id="455" name="Google Shape;455;g13a4d1c76c4_0_373:notes"/>
-          <p:cNvSpPr txBox="1">
-            <a:spLocks noGrp="1"/>
-          </p:cNvSpPr>
-          <p:nvPr>
-            <p:ph type="body" idx="1"/>
-          </p:nvPr>
-        </p:nvSpPr>
-        <p:spPr>
-          <a:xfrm>
-            <a:off x="685800" y="4343400"/>
-            <a:ext cx="5486400" cy="4114800"/>
-          </a:xfrm>
-          <a:prstGeom prst="rect">
-            <a:avLst/>
-          </a:prstGeom>
-        </p:spPr>
-        <p:txBody>
-          <a:bodyPr spcFirstLastPara="1" wrap="square" lIns="91425" tIns="91425" rIns="91425" bIns="91425" anchor="t" anchorCtr="0">
-            <a:noAutofit/>
-          </a:bodyPr>
-          <a:lstStyle/>
-          <a:p>
-            <a:pPr marL="0" lvl="0" indent="0" algn="l" rtl="0">
-              <a:spcBef>
-                <a:spcPts val="0"/>
-              </a:spcBef>
-              <a:spcAft>
-                <a:spcPts val="0"/>
-              </a:spcAft>
-              <a:buNone/>
-            </a:pPr>
-            <a:endParaRPr/>
-          </a:p>
-        </p:txBody>
-      </p:sp>
-    </p:spTree>
-  </p:cSld>
-  <p:clrMapOvr>
-    <a:masterClrMapping/>
-  </p:clrMapOvr>
-</p:notes>
-</file>
-
-<file path=ppt/notesSlides/notesSlide9.xml><?xml version="1.0" encoding="utf-8"?>
-<p:notes xmlns:a="http://schemas.openxmlformats.org/drawingml/2006/main" xmlns:r="http://schemas.openxmlformats.org/officeDocument/2006/relationships" xmlns:p="http://schemas.openxmlformats.org/presentationml/2006/main" showMasterSp="0" showMasterPhAnim="0">
-  <p:cSld>
-    <p:spTree>
-      <p:nvGrpSpPr>
-        <p:cNvPr id="1" name="Shape 406"/>
-        <p:cNvGrpSpPr/>
-        <p:nvPr/>
-      </p:nvGrpSpPr>
-      <p:grpSpPr>
-        <a:xfrm>
-          <a:off x="0" y="0"/>
-          <a:ext cx="0" cy="0"/>
-          <a:chOff x="0" y="0"/>
-          <a:chExt cx="0" cy="0"/>
-        </a:xfrm>
-      </p:grpSpPr>
-      <p:sp>
-        <p:nvSpPr>
-          <p:cNvPr id="407" name="Google Shape;407;ga073618e60_0_31:notes"/>
-          <p:cNvSpPr>
-            <a:spLocks noGrp="1" noRot="1" noChangeAspect="1"/>
-          </p:cNvSpPr>
-          <p:nvPr>
-            <p:ph type="sldImg" idx="2"/>
-          </p:nvPr>
-        </p:nvSpPr>
-        <p:spPr>
-          <a:xfrm>
-            <a:off x="381000" y="685800"/>
-            <a:ext cx="6096000" cy="3429000"/>
-          </a:xfrm>
-          <a:custGeom>
-            <a:avLst/>
-            <a:gdLst/>
-            <a:ahLst/>
-            <a:cxnLst/>
-            <a:rect l="l" t="t" r="r" b="b"/>
-            <a:pathLst>
-              <a:path w="120000" h="120000" extrusionOk="0">
-                <a:moveTo>
-                  <a:pt x="0" y="0"/>
-                </a:moveTo>
-                <a:lnTo>
-                  <a:pt x="120000" y="0"/>
-                </a:lnTo>
-                <a:lnTo>
-                  <a:pt x="120000" y="120000"/>
-                </a:lnTo>
-                <a:lnTo>
-                  <a:pt x="0" y="120000"/>
-                </a:lnTo>
-                <a:close/>
-              </a:path>
-            </a:pathLst>
-          </a:custGeom>
-        </p:spPr>
-      </p:sp>
-      <p:sp>
-        <p:nvSpPr>
-          <p:cNvPr id="408" name="Google Shape;408;ga073618e60_0_31:notes"/>
           <p:cNvSpPr txBox="1">
             <a:spLocks noGrp="1"/>
           </p:cNvSpPr>
@@ -26237,7 +26237,7 @@
   <p:cSld>
     <p:spTree>
       <p:nvGrpSpPr>
-        <p:cNvPr id="1" name="Shape 538"/>
+        <p:cNvPr id="1" name="Shape 409"/>
         <p:cNvGrpSpPr/>
         <p:nvPr/>
       </p:nvGrpSpPr>
@@ -26251,7 +26251,7 @@
       </p:grpSpPr>
       <p:sp>
         <p:nvSpPr>
-          <p:cNvPr id="539" name="Google Shape;539;p37"/>
+          <p:cNvPr id="411" name="Google Shape;411;p25"/>
           <p:cNvSpPr txBox="1">
             <a:spLocks noGrp="1"/>
           </p:cNvSpPr>
@@ -26261,8 +26261,8 @@
         </p:nvSpPr>
         <p:spPr>
           <a:xfrm>
-            <a:off x="720400" y="364775"/>
-            <a:ext cx="10911900" cy="763500"/>
+            <a:off x="3506900" y="2041675"/>
+            <a:ext cx="7345500" cy="1575000"/>
           </a:xfrm>
           <a:prstGeom prst="rect">
             <a:avLst/>
@@ -26274,7 +26274,7 @@
           </a:bodyPr>
           <a:lstStyle/>
           <a:p>
-            <a:pPr marL="0" lvl="0" indent="0" algn="ctr" rtl="0">
+            <a:pPr marL="0" lvl="0" indent="0" algn="l" rtl="0">
               <a:spcBef>
                 <a:spcPts val="0"/>
               </a:spcBef>
@@ -26284,124 +26284,115 @@
               <a:buNone/>
             </a:pPr>
             <a:r>
-              <a:rPr lang="en" dirty="0">
+              <a:rPr lang="en" sz="5800" dirty="0"/>
+              <a:t>TESTING </a:t>
+            </a:r>
+            <a:br>
+              <a:rPr lang="en" sz="5800" dirty="0"/>
+            </a:br>
+            <a:r>
+              <a:rPr lang="en" sz="5800" dirty="0">
                 <a:solidFill>
                   <a:schemeClr val="accent1"/>
                 </a:solidFill>
               </a:rPr>
-              <a:t>DEFINITION</a:t>
+              <a:t>OVERVIEW</a:t>
             </a:r>
-            <a:endParaRPr sz="5400" dirty="0">
-              <a:solidFill>
-                <a:schemeClr val="accent1"/>
-              </a:solidFill>
-            </a:endParaRPr>
+            <a:endParaRPr sz="5800" dirty="0"/>
           </a:p>
         </p:txBody>
       </p:sp>
       <p:sp>
         <p:nvSpPr>
-          <p:cNvPr id="18" name="TextBox 17">
-            <a:extLst>
-              <a:ext uri="{FF2B5EF4-FFF2-40B4-BE49-F238E27FC236}">
-                <a16:creationId xmlns:a16="http://schemas.microsoft.com/office/drawing/2014/main" id="{7F6EA7D8-CE31-B5D6-EEFD-A9B15CC3F422}"/>
-              </a:ext>
-            </a:extLst>
-          </p:cNvPr>
-          <p:cNvSpPr txBox="1"/>
+          <p:cNvPr id="412" name="Google Shape;412;p25"/>
+          <p:cNvSpPr/>
           <p:nvPr/>
         </p:nvSpPr>
         <p:spPr>
           <a:xfrm>
-            <a:off x="802567" y="2137986"/>
-            <a:ext cx="10571516" cy="1892826"/>
+            <a:off x="1663550" y="2130577"/>
+            <a:ext cx="1627849" cy="1486099"/>
           </a:xfrm>
           <a:prstGeom prst="rect">
             <a:avLst/>
           </a:prstGeom>
-          <a:noFill/>
         </p:spPr>
         <p:txBody>
-          <a:bodyPr wrap="square" rtlCol="0">
-            <a:spAutoFit/>
+          <a:bodyPr>
+            <a:prstTxWarp prst="textPlain">
+              <a:avLst/>
+            </a:prstTxWarp>
           </a:bodyPr>
           <a:lstStyle/>
           <a:p>
-            <a:pPr>
-              <a:spcAft>
-                <a:spcPts val="1800"/>
-              </a:spcAft>
-              <a:buClr>
-                <a:schemeClr val="tx1"/>
-              </a:buClr>
+            <a:pPr lvl="0" algn="ctr"/>
+            <a:r>
+              <a:rPr b="1" i="0">
+                <a:ln>
+                  <a:noFill/>
+                </a:ln>
+                <a:solidFill>
+                  <a:schemeClr val="accent1"/>
+                </a:solidFill>
+                <a:latin typeface="Roboto Mono"/>
+              </a:rPr>
+              <a:t>01</a:t>
+            </a:r>
+          </a:p>
+        </p:txBody>
+      </p:sp>
+      <p:sp>
+        <p:nvSpPr>
+          <p:cNvPr id="4" name="Google Shape;457;p31">
+            <a:extLst>
+              <a:ext uri="{FF2B5EF4-FFF2-40B4-BE49-F238E27FC236}">
+                <a16:creationId xmlns:a16="http://schemas.microsoft.com/office/drawing/2014/main" id="{56078EC3-383F-AC0F-B8BB-294F718647DA}"/>
+              </a:ext>
+            </a:extLst>
+          </p:cNvPr>
+          <p:cNvSpPr txBox="1">
+            <a:spLocks noGrp="1"/>
+          </p:cNvSpPr>
+          <p:nvPr>
+            <p:ph type="body" idx="1"/>
+          </p:nvPr>
+        </p:nvSpPr>
+        <p:spPr>
+          <a:xfrm>
+            <a:off x="1653300" y="4052850"/>
+            <a:ext cx="8894400" cy="763500"/>
+          </a:xfrm>
+          <a:prstGeom prst="rect">
+            <a:avLst/>
+          </a:prstGeom>
+        </p:spPr>
+        <p:txBody>
+          <a:bodyPr spcFirstLastPara="1" wrap="square" lIns="121900" tIns="121900" rIns="121900" bIns="121900" anchor="t" anchorCtr="0">
+            <a:noAutofit/>
+          </a:bodyPr>
+          <a:lstStyle/>
+          <a:p>
+            <a:pPr marL="0" lvl="0" indent="0" algn="l" rtl="0">
+              <a:spcBef>
+                <a:spcPts val="0"/>
+              </a:spcBef>
+              <a:spcAft>
+                <a:spcPts val="2100"/>
+              </a:spcAft>
+              <a:buNone/>
             </a:pPr>
             <a:r>
-              <a:rPr lang="en-US" sz="1800" dirty="0">
+              <a:rPr lang="en-US" sz="2000" b="0" i="0" dirty="0">
                 <a:solidFill>
                   <a:schemeClr val="tx1"/>
                 </a:solidFill>
+                <a:effectLst/>
                 <a:latin typeface="Roboto Mono" panose="00000009000000000000" pitchFamily="49" charset="0"/>
                 <a:ea typeface="Roboto Mono" panose="00000009000000000000" pitchFamily="49" charset="0"/>
               </a:rPr>
-              <a:t>Software Testing involves:</a:t>
+              <a:t>“To tell somebody that he is wrong is called criticism. To do so officially is called testing.”</a:t>
             </a:r>
-          </a:p>
-          <a:p>
-            <a:pPr marL="285750" indent="-285750">
-              <a:spcAft>
-                <a:spcPts val="1800"/>
-              </a:spcAft>
-              <a:buClr>
-                <a:schemeClr val="tx1"/>
-              </a:buClr>
-              <a:buFont typeface="Arial" panose="020B0604020202020204" pitchFamily="34" charset="0"/>
-              <a:buChar char="•"/>
-            </a:pPr>
-            <a:r>
-              <a:rPr lang="en-US" sz="1800" dirty="0">
-                <a:solidFill>
-                  <a:schemeClr val="tx1"/>
-                </a:solidFill>
-                <a:latin typeface="Roboto Mono" panose="00000009000000000000" pitchFamily="49" charset="0"/>
-                <a:ea typeface="Roboto Mono" panose="00000009000000000000" pitchFamily="49" charset="0"/>
-              </a:rPr>
-              <a:t>Validating and Verifying an application performs as expected, free of bugs</a:t>
-            </a:r>
-          </a:p>
-          <a:p>
-            <a:pPr marL="285750" indent="-285750">
-              <a:spcAft>
-                <a:spcPts val="1800"/>
-              </a:spcAft>
-              <a:buClr>
-                <a:schemeClr val="tx1"/>
-              </a:buClr>
-              <a:buFont typeface="Arial" panose="020B0604020202020204" pitchFamily="34" charset="0"/>
-              <a:buChar char="•"/>
-            </a:pPr>
-            <a:r>
-              <a:rPr lang="en-US" sz="1800" dirty="0">
-                <a:solidFill>
-                  <a:schemeClr val="tx1"/>
-                </a:solidFill>
-                <a:latin typeface="Roboto Mono" panose="00000009000000000000" pitchFamily="49" charset="0"/>
-                <a:ea typeface="Roboto Mono" panose="00000009000000000000" pitchFamily="49" charset="0"/>
-              </a:rPr>
-              <a:t>Ensuring an application meets the specified requirements</a:t>
-            </a:r>
-          </a:p>
-          <a:p>
-            <a:pPr marL="285750" indent="-285750">
-              <a:spcAft>
-                <a:spcPts val="1800"/>
-              </a:spcAft>
-              <a:buClr>
-                <a:schemeClr val="tx1"/>
-              </a:buClr>
-              <a:buFont typeface="Arial" panose="020B0604020202020204" pitchFamily="34" charset="0"/>
-              <a:buChar char="•"/>
-            </a:pPr>
-            <a:endParaRPr lang="en-US" sz="1800" dirty="0">
+            <a:endParaRPr lang="en-US" sz="2000" dirty="0">
               <a:solidFill>
                 <a:schemeClr val="tx1"/>
               </a:solidFill>
@@ -26412,191 +26403,10 @@
         </p:txBody>
       </p:sp>
     </p:spTree>
-    <p:extLst>
-      <p:ext uri="{BB962C8B-B14F-4D97-AF65-F5344CB8AC3E}">
-        <p14:creationId xmlns:p14="http://schemas.microsoft.com/office/powerpoint/2010/main" val="2746012923"/>
-      </p:ext>
-    </p:extLst>
   </p:cSld>
   <p:clrMapOvr>
     <a:masterClrMapping/>
   </p:clrMapOvr>
-  <p:timing>
-    <p:tnLst>
-      <p:par>
-        <p:cTn id="1" dur="indefinite" restart="never" nodeType="tmRoot">
-          <p:childTnLst>
-            <p:seq concurrent="1" nextAc="seek">
-              <p:cTn id="2" dur="indefinite" nodeType="mainSeq">
-                <p:childTnLst>
-                  <p:par>
-                    <p:cTn id="3" fill="hold">
-                      <p:stCondLst>
-                        <p:cond delay="indefinite"/>
-                      </p:stCondLst>
-                      <p:childTnLst>
-                        <p:par>
-                          <p:cTn id="4" fill="hold">
-                            <p:stCondLst>
-                              <p:cond delay="0"/>
-                            </p:stCondLst>
-                            <p:childTnLst>
-                              <p:par>
-                                <p:cTn id="5" presetID="1" presetClass="entr" presetSubtype="0" fill="hold" grpId="0" nodeType="clickEffect">
-                                  <p:stCondLst>
-                                    <p:cond delay="0"/>
-                                  </p:stCondLst>
-                                  <p:childTnLst>
-                                    <p:set>
-                                      <p:cBhvr>
-                                        <p:cTn id="6" dur="1" fill="hold">
-                                          <p:stCondLst>
-                                            <p:cond delay="0"/>
-                                          </p:stCondLst>
-                                        </p:cTn>
-                                        <p:tgtEl>
-                                          <p:spTgt spid="18"/>
-                                        </p:tgtEl>
-                                        <p:attrNameLst>
-                                          <p:attrName>style.visibility</p:attrName>
-                                        </p:attrNameLst>
-                                      </p:cBhvr>
-                                      <p:to>
-                                        <p:strVal val="visible"/>
-                                      </p:to>
-                                    </p:set>
-                                  </p:childTnLst>
-                                </p:cTn>
-                              </p:par>
-                            </p:childTnLst>
-                          </p:cTn>
-                        </p:par>
-                      </p:childTnLst>
-                    </p:cTn>
-                  </p:par>
-                  <p:par>
-                    <p:cTn id="7" fill="hold">
-                      <p:stCondLst>
-                        <p:cond delay="indefinite"/>
-                      </p:stCondLst>
-                      <p:childTnLst>
-                        <p:par>
-                          <p:cTn id="8" fill="hold">
-                            <p:stCondLst>
-                              <p:cond delay="0"/>
-                            </p:stCondLst>
-                            <p:childTnLst>
-                              <p:par>
-                                <p:cTn id="9" presetID="1" presetClass="entr" presetSubtype="0" fill="hold" nodeType="clickEffect">
-                                  <p:stCondLst>
-                                    <p:cond delay="0"/>
-                                  </p:stCondLst>
-                                  <p:childTnLst>
-                                    <p:set>
-                                      <p:cBhvr>
-                                        <p:cTn id="10" dur="1" fill="hold">
-                                          <p:stCondLst>
-                                            <p:cond delay="0"/>
-                                          </p:stCondLst>
-                                        </p:cTn>
-                                        <p:tgtEl>
-                                          <p:spTgt spid="18">
-                                            <p:txEl>
-                                              <p:pRg st="1" end="1"/>
-                                            </p:txEl>
-                                          </p:spTgt>
-                                        </p:tgtEl>
-                                        <p:attrNameLst>
-                                          <p:attrName>style.visibility</p:attrName>
-                                        </p:attrNameLst>
-                                      </p:cBhvr>
-                                      <p:to>
-                                        <p:strVal val="visible"/>
-                                      </p:to>
-                                    </p:set>
-                                  </p:childTnLst>
-                                </p:cTn>
-                              </p:par>
-                            </p:childTnLst>
-                          </p:cTn>
-                        </p:par>
-                      </p:childTnLst>
-                    </p:cTn>
-                  </p:par>
-                  <p:par>
-                    <p:cTn id="11" fill="hold">
-                      <p:stCondLst>
-                        <p:cond delay="indefinite"/>
-                      </p:stCondLst>
-                      <p:childTnLst>
-                        <p:par>
-                          <p:cTn id="12" fill="hold">
-                            <p:stCondLst>
-                              <p:cond delay="0"/>
-                            </p:stCondLst>
-                            <p:childTnLst>
-                              <p:par>
-                                <p:cTn id="13" presetID="1" presetClass="entr" presetSubtype="0" fill="hold" nodeType="clickEffect">
-                                  <p:stCondLst>
-                                    <p:cond delay="0"/>
-                                  </p:stCondLst>
-                                  <p:childTnLst>
-                                    <p:set>
-                                      <p:cBhvr>
-                                        <p:cTn id="14" dur="1" fill="hold">
-                                          <p:stCondLst>
-                                            <p:cond delay="0"/>
-                                          </p:stCondLst>
-                                        </p:cTn>
-                                        <p:tgtEl>
-                                          <p:spTgt spid="18">
-                                            <p:txEl>
-                                              <p:pRg st="2" end="2"/>
-                                            </p:txEl>
-                                          </p:spTgt>
-                                        </p:tgtEl>
-                                        <p:attrNameLst>
-                                          <p:attrName>style.visibility</p:attrName>
-                                        </p:attrNameLst>
-                                      </p:cBhvr>
-                                      <p:to>
-                                        <p:strVal val="visible"/>
-                                      </p:to>
-                                    </p:set>
-                                  </p:childTnLst>
-                                </p:cTn>
-                              </p:par>
-                            </p:childTnLst>
-                          </p:cTn>
-                        </p:par>
-                      </p:childTnLst>
-                    </p:cTn>
-                  </p:par>
-                </p:childTnLst>
-              </p:cTn>
-              <p:prevCondLst>
-                <p:cond evt="onPrev" delay="0">
-                  <p:tgtEl>
-                    <p:sldTgt/>
-                  </p:tgtEl>
-                </p:cond>
-              </p:prevCondLst>
-              <p:nextCondLst>
-                <p:cond evt="onNext" delay="0">
-                  <p:tgtEl>
-                    <p:sldTgt/>
-                  </p:tgtEl>
-                </p:cond>
-              </p:nextCondLst>
-            </p:seq>
-          </p:childTnLst>
-        </p:cTn>
-      </p:par>
-    </p:tnLst>
-    <p:bldLst>
-      <p:bldP spid="18" grpId="0"/>
-    </p:bldLst>
-  </p:timing>
 </p:sld>
 </file>
 
@@ -43583,6 +43393,281 @@
   <p:cSld>
     <p:spTree>
       <p:nvGrpSpPr>
+        <p:cNvPr id="1" name="Shape 538"/>
+        <p:cNvGrpSpPr/>
+        <p:nvPr/>
+      </p:nvGrpSpPr>
+      <p:grpSpPr>
+        <a:xfrm>
+          <a:off x="0" y="0"/>
+          <a:ext cx="0" cy="0"/>
+          <a:chOff x="0" y="0"/>
+          <a:chExt cx="0" cy="0"/>
+        </a:xfrm>
+      </p:grpSpPr>
+      <p:sp>
+        <p:nvSpPr>
+          <p:cNvPr id="539" name="Google Shape;539;p37"/>
+          <p:cNvSpPr txBox="1">
+            <a:spLocks noGrp="1"/>
+          </p:cNvSpPr>
+          <p:nvPr>
+            <p:ph type="title"/>
+          </p:nvPr>
+        </p:nvSpPr>
+        <p:spPr>
+          <a:xfrm>
+            <a:off x="720400" y="364775"/>
+            <a:ext cx="10911900" cy="763500"/>
+          </a:xfrm>
+          <a:prstGeom prst="rect">
+            <a:avLst/>
+          </a:prstGeom>
+        </p:spPr>
+        <p:txBody>
+          <a:bodyPr spcFirstLastPara="1" wrap="square" lIns="121900" tIns="121900" rIns="121900" bIns="121900" anchor="t" anchorCtr="0">
+            <a:noAutofit/>
+          </a:bodyPr>
+          <a:lstStyle/>
+          <a:p>
+            <a:pPr marL="0" lvl="0" indent="0" algn="ctr" rtl="0">
+              <a:spcBef>
+                <a:spcPts val="0"/>
+              </a:spcBef>
+              <a:spcAft>
+                <a:spcPts val="0"/>
+              </a:spcAft>
+              <a:buNone/>
+            </a:pPr>
+            <a:r>
+              <a:rPr lang="en" dirty="0">
+                <a:solidFill>
+                  <a:schemeClr val="accent1"/>
+                </a:solidFill>
+              </a:rPr>
+              <a:t>FUTURE</a:t>
+            </a:r>
+            <a:endParaRPr sz="5400" dirty="0">
+              <a:solidFill>
+                <a:schemeClr val="accent1"/>
+              </a:solidFill>
+            </a:endParaRPr>
+          </a:p>
+        </p:txBody>
+      </p:sp>
+      <p:sp>
+        <p:nvSpPr>
+          <p:cNvPr id="18" name="TextBox 17">
+            <a:extLst>
+              <a:ext uri="{FF2B5EF4-FFF2-40B4-BE49-F238E27FC236}">
+                <a16:creationId xmlns:a16="http://schemas.microsoft.com/office/drawing/2014/main" id="{7F6EA7D8-CE31-B5D6-EEFD-A9B15CC3F422}"/>
+              </a:ext>
+            </a:extLst>
+          </p:cNvPr>
+          <p:cNvSpPr txBox="1"/>
+          <p:nvPr/>
+        </p:nvSpPr>
+        <p:spPr>
+          <a:xfrm>
+            <a:off x="802567" y="2137986"/>
+            <a:ext cx="10571516" cy="1892826"/>
+          </a:xfrm>
+          <a:prstGeom prst="rect">
+            <a:avLst/>
+          </a:prstGeom>
+          <a:noFill/>
+        </p:spPr>
+        <p:txBody>
+          <a:bodyPr wrap="square" rtlCol="0">
+            <a:spAutoFit/>
+          </a:bodyPr>
+          <a:lstStyle/>
+          <a:p>
+            <a:pPr marL="285750" indent="-285750">
+              <a:spcAft>
+                <a:spcPts val="1800"/>
+              </a:spcAft>
+              <a:buClr>
+                <a:schemeClr val="tx1"/>
+              </a:buClr>
+              <a:buFont typeface="Arial" panose="020B0604020202020204" pitchFamily="34" charset="0"/>
+              <a:buChar char="•"/>
+            </a:pPr>
+            <a:r>
+              <a:rPr lang="en-US" sz="1800" dirty="0">
+                <a:solidFill>
+                  <a:schemeClr val="tx1"/>
+                </a:solidFill>
+                <a:latin typeface="Roboto Mono" panose="00000009000000000000" pitchFamily="49" charset="0"/>
+                <a:ea typeface="Roboto Mono" panose="00000009000000000000" pitchFamily="49" charset="0"/>
+              </a:rPr>
+              <a:t>Aspire CLI</a:t>
+            </a:r>
+          </a:p>
+          <a:p>
+            <a:pPr marL="285750" indent="-285750">
+              <a:spcAft>
+                <a:spcPts val="1800"/>
+              </a:spcAft>
+              <a:buClr>
+                <a:schemeClr val="tx1"/>
+              </a:buClr>
+              <a:buFont typeface="Arial" panose="020B0604020202020204" pitchFamily="34" charset="0"/>
+              <a:buChar char="•"/>
+            </a:pPr>
+            <a:r>
+              <a:rPr lang="en-US" sz="1800" dirty="0">
+                <a:solidFill>
+                  <a:schemeClr val="tx1"/>
+                </a:solidFill>
+                <a:latin typeface="Roboto Mono" panose="00000009000000000000" pitchFamily="49" charset="0"/>
+                <a:ea typeface="Roboto Mono" panose="00000009000000000000" pitchFamily="49" charset="0"/>
+              </a:rPr>
+              <a:t>Better Developer Tooling</a:t>
+            </a:r>
+          </a:p>
+          <a:p>
+            <a:pPr marL="285750" indent="-285750">
+              <a:spcAft>
+                <a:spcPts val="1800"/>
+              </a:spcAft>
+              <a:buClr>
+                <a:schemeClr val="tx1"/>
+              </a:buClr>
+              <a:buFont typeface="Arial" panose="020B0604020202020204" pitchFamily="34" charset="0"/>
+              <a:buChar char="•"/>
+            </a:pPr>
+            <a:r>
+              <a:rPr lang="en-US" sz="1800" dirty="0">
+                <a:solidFill>
+                  <a:schemeClr val="tx1"/>
+                </a:solidFill>
+                <a:latin typeface="Roboto Mono" panose="00000009000000000000" pitchFamily="49" charset="0"/>
+                <a:ea typeface="Roboto Mono" panose="00000009000000000000" pitchFamily="49" charset="0"/>
+              </a:rPr>
+              <a:t>More Hosting Integrations</a:t>
+            </a:r>
+          </a:p>
+          <a:p>
+            <a:pPr marL="285750" indent="-285750">
+              <a:spcAft>
+                <a:spcPts val="1800"/>
+              </a:spcAft>
+              <a:buClr>
+                <a:schemeClr val="tx1"/>
+              </a:buClr>
+              <a:buFont typeface="Arial" panose="020B0604020202020204" pitchFamily="34" charset="0"/>
+              <a:buChar char="•"/>
+            </a:pPr>
+            <a:r>
+              <a:rPr lang="en-US" sz="1800" dirty="0">
+                <a:solidFill>
+                  <a:schemeClr val="tx1"/>
+                </a:solidFill>
+                <a:latin typeface="Roboto Mono" panose="00000009000000000000" pitchFamily="49" charset="0"/>
+                <a:ea typeface="Roboto Mono" panose="00000009000000000000" pitchFamily="49" charset="0"/>
+              </a:rPr>
+              <a:t>More Publishing Support, such as AWS, Azure Apps, and more</a:t>
+            </a:r>
+          </a:p>
+        </p:txBody>
+      </p:sp>
+    </p:spTree>
+    <p:extLst>
+      <p:ext uri="{BB962C8B-B14F-4D97-AF65-F5344CB8AC3E}">
+        <p14:creationId xmlns:p14="http://schemas.microsoft.com/office/powerpoint/2010/main" val="2746012923"/>
+      </p:ext>
+    </p:extLst>
+  </p:cSld>
+  <p:clrMapOvr>
+    <a:masterClrMapping/>
+  </p:clrMapOvr>
+  <p:timing>
+    <p:tnLst>
+      <p:par>
+        <p:cTn id="1" dur="indefinite" restart="never" nodeType="tmRoot">
+          <p:childTnLst>
+            <p:seq concurrent="1" nextAc="seek">
+              <p:cTn id="2" dur="indefinite" nodeType="mainSeq">
+                <p:childTnLst>
+                  <p:par>
+                    <p:cTn id="3" fill="hold">
+                      <p:stCondLst>
+                        <p:cond delay="indefinite"/>
+                      </p:stCondLst>
+                      <p:childTnLst>
+                        <p:par>
+                          <p:cTn id="4" fill="hold">
+                            <p:stCondLst>
+                              <p:cond delay="0"/>
+                            </p:stCondLst>
+                            <p:childTnLst>
+                              <p:par>
+                                <p:cTn id="5" presetID="1" presetClass="entr" presetSubtype="0" fill="hold" grpId="0" nodeType="clickEffect">
+                                  <p:stCondLst>
+                                    <p:cond delay="0"/>
+                                  </p:stCondLst>
+                                  <p:childTnLst>
+                                    <p:set>
+                                      <p:cBhvr>
+                                        <p:cTn id="6" dur="1" fill="hold">
+                                          <p:stCondLst>
+                                            <p:cond delay="0"/>
+                                          </p:stCondLst>
+                                        </p:cTn>
+                                        <p:tgtEl>
+                                          <p:spTgt spid="18"/>
+                                        </p:tgtEl>
+                                        <p:attrNameLst>
+                                          <p:attrName>style.visibility</p:attrName>
+                                        </p:attrNameLst>
+                                      </p:cBhvr>
+                                      <p:to>
+                                        <p:strVal val="visible"/>
+                                      </p:to>
+                                    </p:set>
+                                  </p:childTnLst>
+                                </p:cTn>
+                              </p:par>
+                            </p:childTnLst>
+                          </p:cTn>
+                        </p:par>
+                      </p:childTnLst>
+                    </p:cTn>
+                  </p:par>
+                </p:childTnLst>
+              </p:cTn>
+              <p:prevCondLst>
+                <p:cond evt="onPrev" delay="0">
+                  <p:tgtEl>
+                    <p:sldTgt/>
+                  </p:tgtEl>
+                </p:cond>
+              </p:prevCondLst>
+              <p:nextCondLst>
+                <p:cond evt="onNext" delay="0">
+                  <p:tgtEl>
+                    <p:sldTgt/>
+                  </p:tgtEl>
+                </p:cond>
+              </p:nextCondLst>
+            </p:seq>
+          </p:childTnLst>
+        </p:cTn>
+      </p:par>
+    </p:tnLst>
+    <p:bldLst>
+      <p:bldP spid="18" grpId="0"/>
+    </p:bldLst>
+  </p:timing>
+</p:sld>
+</file>
+
+<file path=ppt/slides/slide8.xml><?xml version="1.0" encoding="utf-8"?>
+<p:sld xmlns:a="http://schemas.openxmlformats.org/drawingml/2006/main" xmlns:r="http://schemas.openxmlformats.org/officeDocument/2006/relationships" xmlns:p="http://schemas.openxmlformats.org/presentationml/2006/main">
+  <p:cSld>
+    <p:spTree>
+      <p:nvGrpSpPr>
         <p:cNvPr id="1" name="Shape 392"/>
         <p:cNvGrpSpPr/>
         <p:nvPr/>
@@ -45271,7 +45356,7 @@
 </p:sld>
 </file>
 
-<file path=ppt/slides/slide8.xml><?xml version="1.0" encoding="utf-8"?>
+<file path=ppt/slides/slide9.xml><?xml version="1.0" encoding="utf-8"?>
 <p:sld xmlns:a="http://schemas.openxmlformats.org/drawingml/2006/main" xmlns:r="http://schemas.openxmlformats.org/officeDocument/2006/relationships" xmlns:p="http://schemas.openxmlformats.org/presentationml/2006/main">
   <p:cSld>
     <p:spTree>
@@ -45807,184 +45892,6 @@
       <p:bldP spid="2" grpId="0"/>
     </p:bldLst>
   </p:timing>
-</p:sld>
-</file>
-
-<file path=ppt/slides/slide9.xml><?xml version="1.0" encoding="utf-8"?>
-<p:sld xmlns:a="http://schemas.openxmlformats.org/drawingml/2006/main" xmlns:r="http://schemas.openxmlformats.org/officeDocument/2006/relationships" xmlns:p="http://schemas.openxmlformats.org/presentationml/2006/main">
-  <p:cSld>
-    <p:spTree>
-      <p:nvGrpSpPr>
-        <p:cNvPr id="1" name="Shape 409"/>
-        <p:cNvGrpSpPr/>
-        <p:nvPr/>
-      </p:nvGrpSpPr>
-      <p:grpSpPr>
-        <a:xfrm>
-          <a:off x="0" y="0"/>
-          <a:ext cx="0" cy="0"/>
-          <a:chOff x="0" y="0"/>
-          <a:chExt cx="0" cy="0"/>
-        </a:xfrm>
-      </p:grpSpPr>
-      <p:sp>
-        <p:nvSpPr>
-          <p:cNvPr id="411" name="Google Shape;411;p25"/>
-          <p:cNvSpPr txBox="1">
-            <a:spLocks noGrp="1"/>
-          </p:cNvSpPr>
-          <p:nvPr>
-            <p:ph type="title"/>
-          </p:nvPr>
-        </p:nvSpPr>
-        <p:spPr>
-          <a:xfrm>
-            <a:off x="3506900" y="2041675"/>
-            <a:ext cx="7345500" cy="1575000"/>
-          </a:xfrm>
-          <a:prstGeom prst="rect">
-            <a:avLst/>
-          </a:prstGeom>
-        </p:spPr>
-        <p:txBody>
-          <a:bodyPr spcFirstLastPara="1" wrap="square" lIns="121900" tIns="121900" rIns="121900" bIns="121900" anchor="t" anchorCtr="0">
-            <a:noAutofit/>
-          </a:bodyPr>
-          <a:lstStyle/>
-          <a:p>
-            <a:pPr marL="0" lvl="0" indent="0" algn="l" rtl="0">
-              <a:spcBef>
-                <a:spcPts val="0"/>
-              </a:spcBef>
-              <a:spcAft>
-                <a:spcPts val="0"/>
-              </a:spcAft>
-              <a:buNone/>
-            </a:pPr>
-            <a:r>
-              <a:rPr lang="en" sz="5800" dirty="0"/>
-              <a:t>TESTING </a:t>
-            </a:r>
-            <a:br>
-              <a:rPr lang="en" sz="5800" dirty="0"/>
-            </a:br>
-            <a:r>
-              <a:rPr lang="en" sz="5800" dirty="0">
-                <a:solidFill>
-                  <a:schemeClr val="accent1"/>
-                </a:solidFill>
-              </a:rPr>
-              <a:t>OVERVIEW</a:t>
-            </a:r>
-            <a:endParaRPr sz="5800" dirty="0"/>
-          </a:p>
-        </p:txBody>
-      </p:sp>
-      <p:sp>
-        <p:nvSpPr>
-          <p:cNvPr id="412" name="Google Shape;412;p25"/>
-          <p:cNvSpPr/>
-          <p:nvPr/>
-        </p:nvSpPr>
-        <p:spPr>
-          <a:xfrm>
-            <a:off x="1663550" y="2130577"/>
-            <a:ext cx="1627849" cy="1486099"/>
-          </a:xfrm>
-          <a:prstGeom prst="rect">
-            <a:avLst/>
-          </a:prstGeom>
-        </p:spPr>
-        <p:txBody>
-          <a:bodyPr>
-            <a:prstTxWarp prst="textPlain">
-              <a:avLst/>
-            </a:prstTxWarp>
-          </a:bodyPr>
-          <a:lstStyle/>
-          <a:p>
-            <a:pPr lvl="0" algn="ctr"/>
-            <a:r>
-              <a:rPr b="1" i="0">
-                <a:ln>
-                  <a:noFill/>
-                </a:ln>
-                <a:solidFill>
-                  <a:schemeClr val="accent1"/>
-                </a:solidFill>
-                <a:latin typeface="Roboto Mono"/>
-              </a:rPr>
-              <a:t>01</a:t>
-            </a:r>
-          </a:p>
-        </p:txBody>
-      </p:sp>
-      <p:sp>
-        <p:nvSpPr>
-          <p:cNvPr id="4" name="Google Shape;457;p31">
-            <a:extLst>
-              <a:ext uri="{FF2B5EF4-FFF2-40B4-BE49-F238E27FC236}">
-                <a16:creationId xmlns:a16="http://schemas.microsoft.com/office/drawing/2014/main" id="{56078EC3-383F-AC0F-B8BB-294F718647DA}"/>
-              </a:ext>
-            </a:extLst>
-          </p:cNvPr>
-          <p:cNvSpPr txBox="1">
-            <a:spLocks noGrp="1"/>
-          </p:cNvSpPr>
-          <p:nvPr>
-            <p:ph type="body" idx="1"/>
-          </p:nvPr>
-        </p:nvSpPr>
-        <p:spPr>
-          <a:xfrm>
-            <a:off x="1653300" y="4052850"/>
-            <a:ext cx="8894400" cy="763500"/>
-          </a:xfrm>
-          <a:prstGeom prst="rect">
-            <a:avLst/>
-          </a:prstGeom>
-        </p:spPr>
-        <p:txBody>
-          <a:bodyPr spcFirstLastPara="1" wrap="square" lIns="121900" tIns="121900" rIns="121900" bIns="121900" anchor="t" anchorCtr="0">
-            <a:noAutofit/>
-          </a:bodyPr>
-          <a:lstStyle/>
-          <a:p>
-            <a:pPr marL="0" lvl="0" indent="0" algn="l" rtl="0">
-              <a:spcBef>
-                <a:spcPts val="0"/>
-              </a:spcBef>
-              <a:spcAft>
-                <a:spcPts val="2100"/>
-              </a:spcAft>
-              <a:buNone/>
-            </a:pPr>
-            <a:r>
-              <a:rPr lang="en-US" sz="2000" b="0" i="0" dirty="0">
-                <a:solidFill>
-                  <a:schemeClr val="tx1"/>
-                </a:solidFill>
-                <a:effectLst/>
-                <a:latin typeface="Roboto Mono" panose="00000009000000000000" pitchFamily="49" charset="0"/>
-                <a:ea typeface="Roboto Mono" panose="00000009000000000000" pitchFamily="49" charset="0"/>
-              </a:rPr>
-              <a:t>“To tell somebody that he is wrong is called criticism. To do so officially is called testing.”</a:t>
-            </a:r>
-            <a:endParaRPr lang="en-US" sz="2000" dirty="0">
-              <a:solidFill>
-                <a:schemeClr val="tx1"/>
-              </a:solidFill>
-              <a:latin typeface="Roboto Mono" panose="00000009000000000000" pitchFamily="49" charset="0"/>
-              <a:ea typeface="Roboto Mono" panose="00000009000000000000" pitchFamily="49" charset="0"/>
-            </a:endParaRPr>
-          </a:p>
-        </p:txBody>
-      </p:sp>
-    </p:spTree>
-  </p:cSld>
-  <p:clrMapOvr>
-    <a:masterClrMapping/>
-  </p:clrMapOvr>
 </p:sld>
 </file>
 
